--- a/img/framework_v2.pptx
+++ b/img/framework_v2.pptx
@@ -243,7 +243,7 @@
           <a:p>
             <a:fld id="{FAAA78CB-90F7-7844-8078-D20DA8C789B7}" type="datetimeFigureOut">
               <a:rPr kumimoji="1" lang="zh-CN" altLang="en-US" smtClean="0"/>
-              <a:t>2019/4/28</a:t>
+              <a:t>2019/4/29</a:t>
             </a:fld>
             <a:endParaRPr kumimoji="1" lang="zh-CN" altLang="en-US"/>
           </a:p>
@@ -413,7 +413,7 @@
           <a:p>
             <a:fld id="{FAAA78CB-90F7-7844-8078-D20DA8C789B7}" type="datetimeFigureOut">
               <a:rPr kumimoji="1" lang="zh-CN" altLang="en-US" smtClean="0"/>
-              <a:t>2019/4/28</a:t>
+              <a:t>2019/4/29</a:t>
             </a:fld>
             <a:endParaRPr kumimoji="1" lang="zh-CN" altLang="en-US"/>
           </a:p>
@@ -593,7 +593,7 @@
           <a:p>
             <a:fld id="{FAAA78CB-90F7-7844-8078-D20DA8C789B7}" type="datetimeFigureOut">
               <a:rPr kumimoji="1" lang="zh-CN" altLang="en-US" smtClean="0"/>
-              <a:t>2019/4/28</a:t>
+              <a:t>2019/4/29</a:t>
             </a:fld>
             <a:endParaRPr kumimoji="1" lang="zh-CN" altLang="en-US"/>
           </a:p>
@@ -763,7 +763,7 @@
           <a:p>
             <a:fld id="{FAAA78CB-90F7-7844-8078-D20DA8C789B7}" type="datetimeFigureOut">
               <a:rPr kumimoji="1" lang="zh-CN" altLang="en-US" smtClean="0"/>
-              <a:t>2019/4/28</a:t>
+              <a:t>2019/4/29</a:t>
             </a:fld>
             <a:endParaRPr kumimoji="1" lang="zh-CN" altLang="en-US"/>
           </a:p>
@@ -1007,7 +1007,7 @@
           <a:p>
             <a:fld id="{FAAA78CB-90F7-7844-8078-D20DA8C789B7}" type="datetimeFigureOut">
               <a:rPr kumimoji="1" lang="zh-CN" altLang="en-US" smtClean="0"/>
-              <a:t>2019/4/28</a:t>
+              <a:t>2019/4/29</a:t>
             </a:fld>
             <a:endParaRPr kumimoji="1" lang="zh-CN" altLang="en-US"/>
           </a:p>
@@ -1239,7 +1239,7 @@
           <a:p>
             <a:fld id="{FAAA78CB-90F7-7844-8078-D20DA8C789B7}" type="datetimeFigureOut">
               <a:rPr kumimoji="1" lang="zh-CN" altLang="en-US" smtClean="0"/>
-              <a:t>2019/4/28</a:t>
+              <a:t>2019/4/29</a:t>
             </a:fld>
             <a:endParaRPr kumimoji="1" lang="zh-CN" altLang="en-US"/>
           </a:p>
@@ -1606,7 +1606,7 @@
           <a:p>
             <a:fld id="{FAAA78CB-90F7-7844-8078-D20DA8C789B7}" type="datetimeFigureOut">
               <a:rPr kumimoji="1" lang="zh-CN" altLang="en-US" smtClean="0"/>
-              <a:t>2019/4/28</a:t>
+              <a:t>2019/4/29</a:t>
             </a:fld>
             <a:endParaRPr kumimoji="1" lang="zh-CN" altLang="en-US"/>
           </a:p>
@@ -1724,7 +1724,7 @@
           <a:p>
             <a:fld id="{FAAA78CB-90F7-7844-8078-D20DA8C789B7}" type="datetimeFigureOut">
               <a:rPr kumimoji="1" lang="zh-CN" altLang="en-US" smtClean="0"/>
-              <a:t>2019/4/28</a:t>
+              <a:t>2019/4/29</a:t>
             </a:fld>
             <a:endParaRPr kumimoji="1" lang="zh-CN" altLang="en-US"/>
           </a:p>
@@ -1819,7 +1819,7 @@
           <a:p>
             <a:fld id="{FAAA78CB-90F7-7844-8078-D20DA8C789B7}" type="datetimeFigureOut">
               <a:rPr kumimoji="1" lang="zh-CN" altLang="en-US" smtClean="0"/>
-              <a:t>2019/4/28</a:t>
+              <a:t>2019/4/29</a:t>
             </a:fld>
             <a:endParaRPr kumimoji="1" lang="zh-CN" altLang="en-US"/>
           </a:p>
@@ -2096,7 +2096,7 @@
           <a:p>
             <a:fld id="{FAAA78CB-90F7-7844-8078-D20DA8C789B7}" type="datetimeFigureOut">
               <a:rPr kumimoji="1" lang="zh-CN" altLang="en-US" smtClean="0"/>
-              <a:t>2019/4/28</a:t>
+              <a:t>2019/4/29</a:t>
             </a:fld>
             <a:endParaRPr kumimoji="1" lang="zh-CN" altLang="en-US"/>
           </a:p>
@@ -2353,7 +2353,7 @@
           <a:p>
             <a:fld id="{FAAA78CB-90F7-7844-8078-D20DA8C789B7}" type="datetimeFigureOut">
               <a:rPr kumimoji="1" lang="zh-CN" altLang="en-US" smtClean="0"/>
-              <a:t>2019/4/28</a:t>
+              <a:t>2019/4/29</a:t>
             </a:fld>
             <a:endParaRPr kumimoji="1" lang="zh-CN" altLang="en-US"/>
           </a:p>
@@ -2566,7 +2566,7 @@
           <a:p>
             <a:fld id="{FAAA78CB-90F7-7844-8078-D20DA8C789B7}" type="datetimeFigureOut">
               <a:rPr kumimoji="1" lang="zh-CN" altLang="en-US" smtClean="0"/>
-              <a:t>2019/4/28</a:t>
+              <a:t>2019/4/29</a:t>
             </a:fld>
             <a:endParaRPr kumimoji="1" lang="zh-CN" altLang="en-US"/>
           </a:p>
@@ -3287,18 +3287,7 @@
                 <a:ea typeface="SimSun" charset="-122"/>
                 <a:cs typeface="SimSun" charset="-122"/>
               </a:rPr>
-              <a:t>数</a:t>
-            </a:r>
-            <a:r>
-              <a:rPr kumimoji="1" lang="zh-TW" altLang="en-US" sz="1080" dirty="0">
-                <a:solidFill>
-                  <a:schemeClr val="tx1"/>
-                </a:solidFill>
-                <a:latin typeface="SimSun" charset="-122"/>
-                <a:ea typeface="SimSun" charset="-122"/>
-                <a:cs typeface="SimSun" charset="-122"/>
-              </a:rPr>
-              <a:t>据</a:t>
+              <a:t>数据</a:t>
             </a:r>
             <a:r>
               <a:rPr kumimoji="1" lang="zh-CN" altLang="en-US" sz="1080" dirty="0">
@@ -3320,18 +3309,7 @@
                 <a:ea typeface="SimSun" charset="-122"/>
                 <a:cs typeface="SimSun" charset="-122"/>
               </a:rPr>
-              <a:t>处</a:t>
-            </a:r>
-            <a:r>
-              <a:rPr kumimoji="1" lang="zh-TW" altLang="en-US" sz="1080" dirty="0">
-                <a:solidFill>
-                  <a:schemeClr val="tx1"/>
-                </a:solidFill>
-                <a:latin typeface="SimSun" charset="-122"/>
-                <a:ea typeface="SimSun" charset="-122"/>
-                <a:cs typeface="SimSun" charset="-122"/>
-              </a:rPr>
-              <a:t>理</a:t>
+              <a:t>处理</a:t>
             </a:r>
             <a:endParaRPr kumimoji="1" lang="zh-CN" altLang="en-US" sz="1080" dirty="0">
               <a:solidFill>
@@ -3471,14 +3449,6 @@
               </a:rPr>
               <a:t>参数调整</a:t>
             </a:r>
-            <a:endParaRPr kumimoji="1" lang="zh-CN" altLang="en-US" sz="1080" dirty="0">
-              <a:solidFill>
-                <a:schemeClr val="tx1"/>
-              </a:solidFill>
-              <a:latin typeface="SimSun" charset="-122"/>
-              <a:ea typeface="SimSun" charset="-122"/>
-              <a:cs typeface="SimSun" charset="-122"/>
-            </a:endParaRPr>
           </a:p>
         </p:txBody>
       </p:sp>
@@ -3549,18 +3519,7 @@
                 <a:ea typeface="SimSun" charset="-122"/>
                 <a:cs typeface="SimSun" charset="-122"/>
               </a:rPr>
-              <a:t>选</a:t>
-            </a:r>
-            <a:r>
-              <a:rPr kumimoji="1" lang="zh-TW" altLang="en-US" sz="1080" dirty="0">
-                <a:solidFill>
-                  <a:schemeClr val="tx1"/>
-                </a:solidFill>
-                <a:latin typeface="SimSun" charset="-122"/>
-                <a:ea typeface="SimSun" charset="-122"/>
-                <a:cs typeface="SimSun" charset="-122"/>
-              </a:rPr>
-              <a:t>择</a:t>
+              <a:t>选择</a:t>
             </a:r>
             <a:endParaRPr kumimoji="1" lang="zh-CN" altLang="en-US" sz="1080" dirty="0">
               <a:solidFill>
@@ -3698,8 +3657,8 @@
         </p:nvSpPr>
         <p:spPr>
           <a:xfrm>
-            <a:off x="3121549" y="795829"/>
-            <a:ext cx="736099" cy="258532"/>
+            <a:off x="2819352" y="803701"/>
+            <a:ext cx="1287532" cy="258532"/>
           </a:xfrm>
           <a:prstGeom prst="rect">
             <a:avLst/>
@@ -3716,12 +3675,20 @@
           <a:lstStyle/>
           <a:p>
             <a:r>
-              <a:rPr kumimoji="1" lang="zh-CN" altLang="en-US" sz="1080" smtClean="0">
+              <a:rPr kumimoji="1" lang="zh-CN" altLang="en-US" sz="1080" dirty="0" smtClean="0">
                 <a:latin typeface="SimSun" charset="-122"/>
                 <a:ea typeface="SimSun" charset="-122"/>
                 <a:cs typeface="SimSun" charset="-122"/>
               </a:rPr>
-              <a:t>模型训练</a:t>
+              <a:t>机器学习模型</a:t>
+            </a:r>
+            <a:r>
+              <a:rPr kumimoji="1" lang="zh-CN" altLang="en-US" sz="1080" dirty="0" smtClean="0">
+                <a:latin typeface="SimSun" charset="-122"/>
+                <a:ea typeface="SimSun" charset="-122"/>
+                <a:cs typeface="SimSun" charset="-122"/>
+              </a:rPr>
+              <a:t>训练</a:t>
             </a:r>
             <a:endParaRPr kumimoji="1" lang="zh-CN" altLang="en-US" sz="1080" dirty="0">
               <a:latin typeface="SimSun" charset="-122"/>
@@ -3967,14 +3934,6 @@
               </a:rPr>
               <a:t>融合</a:t>
             </a:r>
-            <a:endParaRPr kumimoji="1" lang="zh-CN" altLang="en-US" sz="1080" dirty="0">
-              <a:solidFill>
-                <a:schemeClr val="tx1"/>
-              </a:solidFill>
-              <a:latin typeface="SimSun" charset="-122"/>
-              <a:ea typeface="SimSun" charset="-122"/>
-              <a:cs typeface="SimSun" charset="-122"/>
-            </a:endParaRPr>
           </a:p>
         </p:txBody>
       </p:sp>
@@ -4780,11 +4739,6 @@
                 </a:rPr>
                 <a:t>系统评测</a:t>
               </a:r>
-              <a:endParaRPr kumimoji="1" lang="zh-CN" altLang="en-US" sz="1080" dirty="0">
-                <a:latin typeface="SimSun" charset="-122"/>
-                <a:ea typeface="SimSun" charset="-122"/>
-                <a:cs typeface="SimSun" charset="-122"/>
-              </a:endParaRPr>
             </a:p>
           </p:txBody>
         </p:sp>
